--- a/travis-ci-26-02-2016.pptx
+++ b/travis-ci-26-02-2016.pptx
@@ -5,12 +5,13 @@
     <p:sldMasterId id="2147483648" r:id="rId1"/>
   </p:sldMasterIdLst>
   <p:notesMasterIdLst>
-    <p:notesMasterId r:id="rId5"/>
+    <p:notesMasterId r:id="rId6"/>
   </p:notesMasterIdLst>
   <p:sldIdLst>
     <p:sldId id="256" r:id="rId2"/>
     <p:sldId id="257" r:id="rId3"/>
     <p:sldId id="258" r:id="rId4"/>
+    <p:sldId id="260" r:id="rId5"/>
   </p:sldIdLst>
   <p:sldSz cx="12192000" cy="6858000"/>
   <p:notesSz cx="6858000" cy="9144000"/>
@@ -3425,11 +3426,7 @@
           <a:p>
             <a:r>
               <a:rPr lang="en-US" dirty="0" smtClean="0"/>
-              <a:t>Travis </a:t>
-            </a:r>
-            <a:r>
-              <a:rPr lang="en-US" dirty="0" smtClean="0"/>
-              <a:t>CI </a:t>
+              <a:t>Travis CI </a:t>
             </a:r>
             <a:endParaRPr lang="en-US" dirty="0"/>
           </a:p>
@@ -3875,11 +3872,11 @@
           <a:p>
             <a:r>
               <a:rPr lang="en-US" dirty="0" smtClean="0"/>
-              <a:t>To Travis or not to Travis? </a:t>
-            </a:r>
-            <a:r>
-              <a:rPr lang="en-US" dirty="0" smtClean="0"/>
-              <a:t> </a:t>
+              <a:t>not </a:t>
+            </a:r>
+            <a:r>
+              <a:rPr lang="en-US" dirty="0" smtClean="0"/>
+              <a:t>to Travis?  </a:t>
             </a:r>
             <a:endParaRPr lang="en-US" dirty="0"/>
           </a:p>
@@ -4068,77 +4065,10 @@
             </a:r>
           </a:p>
           <a:p>
-            <a:endParaRPr lang="en-US" dirty="0"/>
-          </a:p>
-          <a:p>
-            <a:r>
-              <a:rPr lang="en-US" dirty="0" err="1" smtClean="0"/>
-              <a:t>Siltikin</a:t>
-            </a:r>
-            <a:r>
-              <a:rPr lang="en-US" dirty="0" smtClean="0"/>
-              <a:t> </a:t>
-            </a:r>
-            <a:r>
-              <a:rPr lang="en-US" dirty="0" err="1"/>
-              <a:t>o</a:t>
-            </a:r>
-            <a:r>
-              <a:rPr lang="en-US" dirty="0" err="1" smtClean="0"/>
-              <a:t>ikein</a:t>
-            </a:r>
-            <a:r>
-              <a:rPr lang="en-US" dirty="0" smtClean="0"/>
-              <a:t> </a:t>
-            </a:r>
-            <a:r>
-              <a:rPr lang="en-US" dirty="0" err="1" smtClean="0"/>
-              <a:t>hyvä</a:t>
-            </a:r>
-            <a:r>
-              <a:rPr lang="en-US" dirty="0" smtClean="0"/>
-              <a:t> </a:t>
-            </a:r>
-            <a:r>
-              <a:rPr lang="en-US" dirty="0" err="1" smtClean="0"/>
-              <a:t>jos</a:t>
-            </a:r>
-            <a:r>
-              <a:rPr lang="en-US" dirty="0" smtClean="0"/>
-              <a:t> on </a:t>
-            </a:r>
-            <a:r>
-              <a:rPr lang="en-US" dirty="0" err="1" smtClean="0"/>
-              <a:t>pieni</a:t>
-            </a:r>
-            <a:r>
-              <a:rPr lang="en-US" dirty="0" smtClean="0"/>
-              <a:t> </a:t>
-            </a:r>
-            <a:r>
-              <a:rPr lang="en-US" dirty="0" err="1" smtClean="0"/>
-              <a:t>avoimen</a:t>
-            </a:r>
-            <a:r>
-              <a:rPr lang="en-US" dirty="0" smtClean="0"/>
-              <a:t> </a:t>
-            </a:r>
-            <a:r>
-              <a:rPr lang="en-US" dirty="0" err="1" smtClean="0"/>
-              <a:t>lähdekoodin</a:t>
-            </a:r>
-            <a:r>
-              <a:rPr lang="en-US" dirty="0" smtClean="0"/>
-              <a:t> </a:t>
-            </a:r>
-            <a:r>
-              <a:rPr lang="en-US" dirty="0" err="1" smtClean="0"/>
-              <a:t>projekti</a:t>
-            </a:r>
-            <a:r>
-              <a:rPr lang="en-US" dirty="0" smtClean="0"/>
-              <a:t>!</a:t>
-            </a:r>
+            <a:pPr marL="0" indent="0">
+              <a:buNone/>
+            </a:pPr>
+            <a:endParaRPr lang="en-US" dirty="0" smtClean="0"/>
           </a:p>
         </p:txBody>
       </p:sp>
@@ -4146,6 +4076,336 @@
     <p:extLst>
       <p:ext uri="{BB962C8B-B14F-4D97-AF65-F5344CB8AC3E}">
         <p14:creationId xmlns:p14="http://schemas.microsoft.com/office/powerpoint/2010/main" val="1541237256"/>
+      </p:ext>
+    </p:extLst>
+  </p:cSld>
+  <p:clrMapOvr>
+    <a:masterClrMapping/>
+  </p:clrMapOvr>
+</p:sld>
+</file>
+
+<file path=ppt/slides/slide4.xml><?xml version="1.0" encoding="utf-8"?>
+<p:sld xmlns:a="http://schemas.openxmlformats.org/drawingml/2006/main" xmlns:r="http://schemas.openxmlformats.org/officeDocument/2006/relationships" xmlns:p="http://schemas.openxmlformats.org/presentationml/2006/main">
+  <p:cSld>
+    <p:spTree>
+      <p:nvGrpSpPr>
+        <p:cNvPr id="1" name=""/>
+        <p:cNvGrpSpPr/>
+        <p:nvPr/>
+      </p:nvGrpSpPr>
+      <p:grpSpPr>
+        <a:xfrm>
+          <a:off x="0" y="0"/>
+          <a:ext cx="0" cy="0"/>
+          <a:chOff x="0" y="0"/>
+          <a:chExt cx="0" cy="0"/>
+        </a:xfrm>
+      </p:grpSpPr>
+      <p:sp>
+        <p:nvSpPr>
+          <p:cNvPr id="2" name="Title 1"/>
+          <p:cNvSpPr>
+            <a:spLocks noGrp="1"/>
+          </p:cNvSpPr>
+          <p:nvPr>
+            <p:ph type="title"/>
+          </p:nvPr>
+        </p:nvSpPr>
+        <p:spPr>
+          <a:xfrm>
+            <a:off x="520701" y="365125"/>
+            <a:ext cx="10515600" cy="924029"/>
+          </a:xfrm>
+        </p:spPr>
+        <p:txBody>
+          <a:bodyPr/>
+          <a:lstStyle/>
+          <a:p>
+            <a:r>
+              <a:rPr lang="en-US" dirty="0" smtClean="0"/>
+              <a:t>To Travis</a:t>
+            </a:r>
+            <a:r>
+              <a:rPr lang="en-US" dirty="0" smtClean="0"/>
+              <a:t>?  </a:t>
+            </a:r>
+            <a:endParaRPr lang="en-US" dirty="0"/>
+          </a:p>
+        </p:txBody>
+      </p:sp>
+      <p:sp>
+        <p:nvSpPr>
+          <p:cNvPr id="3" name="Content Placeholder 2"/>
+          <p:cNvSpPr>
+            <a:spLocks noGrp="1"/>
+          </p:cNvSpPr>
+          <p:nvPr>
+            <p:ph idx="1"/>
+          </p:nvPr>
+        </p:nvSpPr>
+        <p:spPr>
+          <a:xfrm>
+            <a:off x="520700" y="1422296"/>
+            <a:ext cx="10515600" cy="4351338"/>
+          </a:xfrm>
+        </p:spPr>
+        <p:txBody>
+          <a:bodyPr>
+            <a:normAutofit/>
+          </a:bodyPr>
+          <a:lstStyle/>
+          <a:p>
+            <a:r>
+              <a:rPr lang="en-US" dirty="0" smtClean="0"/>
+              <a:t>Travis </a:t>
+            </a:r>
+            <a:r>
+              <a:rPr lang="en-US" dirty="0" smtClean="0"/>
+              <a:t>on </a:t>
+            </a:r>
+            <a:r>
+              <a:rPr lang="en-US" dirty="0" err="1" smtClean="0"/>
+              <a:t>ilmainen</a:t>
+            </a:r>
+            <a:r>
+              <a:rPr lang="en-US" dirty="0" smtClean="0"/>
+              <a:t> </a:t>
+            </a:r>
+            <a:r>
+              <a:rPr lang="en-US" dirty="0" err="1" smtClean="0"/>
+              <a:t>avoimen</a:t>
+            </a:r>
+            <a:r>
+              <a:rPr lang="en-US" dirty="0" smtClean="0"/>
+              <a:t> </a:t>
+            </a:r>
+            <a:r>
+              <a:rPr lang="en-US" dirty="0" err="1" smtClean="0"/>
+              <a:t>lähdekoodin</a:t>
+            </a:r>
+            <a:r>
+              <a:rPr lang="en-US" dirty="0" smtClean="0"/>
+              <a:t> </a:t>
+            </a:r>
+            <a:r>
+              <a:rPr lang="en-US" dirty="0" err="1" smtClean="0"/>
+              <a:t>projekteille</a:t>
+            </a:r>
+            <a:r>
+              <a:rPr lang="en-US" dirty="0" smtClean="0"/>
+              <a:t>.</a:t>
+            </a:r>
+          </a:p>
+          <a:p>
+            <a:r>
+              <a:rPr lang="en-US" dirty="0" smtClean="0"/>
+              <a:t>Travis on SaaS. </a:t>
+            </a:r>
+            <a:endParaRPr lang="en-US" dirty="0" smtClean="0"/>
+          </a:p>
+          <a:p>
+            <a:pPr lvl="1"/>
+            <a:r>
+              <a:rPr lang="en-US" dirty="0" smtClean="0"/>
+              <a:t>Sen </a:t>
+            </a:r>
+            <a:r>
+              <a:rPr lang="en-US" dirty="0" err="1" smtClean="0"/>
+              <a:t>saa</a:t>
+            </a:r>
+            <a:r>
+              <a:rPr lang="en-US" dirty="0" smtClean="0"/>
+              <a:t> </a:t>
+            </a:r>
+            <a:r>
+              <a:rPr lang="en-US" dirty="0" err="1" smtClean="0"/>
+              <a:t>käyttöön</a:t>
+            </a:r>
+            <a:r>
+              <a:rPr lang="en-US" dirty="0" smtClean="0"/>
+              <a:t> </a:t>
+            </a:r>
+            <a:r>
+              <a:rPr lang="en-US" dirty="0" err="1" smtClean="0"/>
+              <a:t>vartissa</a:t>
+            </a:r>
+            <a:r>
+              <a:rPr lang="en-US" dirty="0" smtClean="0"/>
+              <a:t> </a:t>
+            </a:r>
+            <a:r>
+              <a:rPr lang="en-US" dirty="0" err="1" smtClean="0"/>
+              <a:t>helposti</a:t>
+            </a:r>
+            <a:r>
+              <a:rPr lang="en-US" dirty="0" smtClean="0"/>
+              <a:t>.</a:t>
+            </a:r>
+          </a:p>
+          <a:p>
+            <a:pPr lvl="1"/>
+            <a:r>
+              <a:rPr lang="en-US" dirty="0" err="1" smtClean="0"/>
+              <a:t>Tietoturva</a:t>
+            </a:r>
+            <a:r>
+              <a:rPr lang="en-US" dirty="0" smtClean="0"/>
+              <a:t> on </a:t>
+            </a:r>
+            <a:r>
+              <a:rPr lang="en-US" dirty="0" err="1" smtClean="0"/>
+              <a:t>jonkun</a:t>
+            </a:r>
+            <a:r>
+              <a:rPr lang="en-US" dirty="0" smtClean="0"/>
+              <a:t> </a:t>
+            </a:r>
+            <a:r>
+              <a:rPr lang="en-US" dirty="0" err="1" smtClean="0"/>
+              <a:t>muun</a:t>
+            </a:r>
+            <a:r>
+              <a:rPr lang="en-US" dirty="0" smtClean="0"/>
+              <a:t> </a:t>
+            </a:r>
+            <a:r>
+              <a:rPr lang="en-US" dirty="0" err="1" smtClean="0"/>
+              <a:t>ongelma</a:t>
+            </a:r>
+            <a:r>
+              <a:rPr lang="en-US" dirty="0" smtClean="0"/>
+              <a:t>.</a:t>
+            </a:r>
+          </a:p>
+          <a:p>
+            <a:r>
+              <a:rPr lang="en-US" dirty="0" err="1" smtClean="0"/>
+              <a:t>Buildikoneelle</a:t>
+            </a:r>
+            <a:r>
+              <a:rPr lang="en-US" dirty="0" smtClean="0"/>
+              <a:t> </a:t>
+            </a:r>
+            <a:r>
+              <a:rPr lang="en-US" dirty="0" err="1" smtClean="0"/>
+              <a:t>saa</a:t>
+            </a:r>
+            <a:r>
+              <a:rPr lang="en-US" dirty="0" smtClean="0"/>
+              <a:t> </a:t>
+            </a:r>
+            <a:r>
+              <a:rPr lang="en-US" dirty="0" err="1" smtClean="0"/>
+              <a:t>sudot</a:t>
+            </a:r>
+            <a:r>
+              <a:rPr lang="en-US" dirty="0"/>
+              <a:t> </a:t>
+            </a:r>
+            <a:r>
+              <a:rPr lang="en-US" dirty="0" err="1" smtClean="0"/>
+              <a:t>jos</a:t>
+            </a:r>
+            <a:r>
+              <a:rPr lang="en-US" dirty="0" smtClean="0"/>
+              <a:t> </a:t>
+            </a:r>
+            <a:r>
+              <a:rPr lang="en-US" dirty="0" err="1" smtClean="0"/>
+              <a:t>tarvitsee</a:t>
+            </a:r>
+            <a:r>
+              <a:rPr lang="en-US" dirty="0" smtClean="0"/>
+              <a:t>.</a:t>
+            </a:r>
+          </a:p>
+          <a:p>
+            <a:r>
+              <a:rPr lang="en-US" dirty="0" err="1" smtClean="0"/>
+              <a:t>Valmiit</a:t>
+            </a:r>
+            <a:r>
+              <a:rPr lang="en-US" dirty="0" smtClean="0"/>
+              <a:t> </a:t>
+            </a:r>
+            <a:r>
+              <a:rPr lang="en-US" dirty="0" err="1" smtClean="0"/>
+              <a:t>integraatiot</a:t>
+            </a:r>
+            <a:r>
+              <a:rPr lang="en-US" dirty="0" smtClean="0"/>
+              <a:t> </a:t>
+            </a:r>
+            <a:r>
+              <a:rPr lang="en-US" dirty="0" err="1" smtClean="0"/>
+              <a:t>vaikka</a:t>
+            </a:r>
+            <a:r>
+              <a:rPr lang="en-US" dirty="0" smtClean="0"/>
+              <a:t> </a:t>
+            </a:r>
+            <a:r>
+              <a:rPr lang="en-US" dirty="0" err="1" smtClean="0"/>
+              <a:t>mihin</a:t>
+            </a:r>
+            <a:r>
+              <a:rPr lang="en-US" dirty="0" smtClean="0"/>
+              <a:t>.</a:t>
+            </a:r>
+          </a:p>
+          <a:p>
+            <a:r>
+              <a:rPr lang="en-US" dirty="0" smtClean="0"/>
+              <a:t>e2e-testaus: </a:t>
+            </a:r>
+            <a:r>
+              <a:rPr lang="en-US" dirty="0" err="1" smtClean="0"/>
+              <a:t>Saucelabs</a:t>
+            </a:r>
+            <a:endParaRPr lang="en-US" dirty="0" smtClean="0"/>
+          </a:p>
+          <a:p>
+            <a:r>
+              <a:rPr lang="en-US" dirty="0" err="1" smtClean="0"/>
+              <a:t>Docker</a:t>
+            </a:r>
+            <a:r>
+              <a:rPr lang="en-US" dirty="0" smtClean="0"/>
+              <a:t> pull </a:t>
+            </a:r>
+            <a:r>
+              <a:rPr lang="en-US" dirty="0" err="1" smtClean="0"/>
+              <a:t>onnistuu</a:t>
+            </a:r>
+            <a:r>
+              <a:rPr lang="en-US" dirty="0" smtClean="0"/>
+              <a:t> </a:t>
+            </a:r>
+            <a:r>
+              <a:rPr lang="en-US" dirty="0" err="1" smtClean="0"/>
+              <a:t>hienosti</a:t>
+            </a:r>
+            <a:r>
+              <a:rPr lang="en-US" dirty="0" smtClean="0"/>
+              <a:t>. </a:t>
+            </a:r>
+          </a:p>
+          <a:p>
+            <a:endParaRPr lang="en-US" dirty="0" smtClean="0"/>
+          </a:p>
+          <a:p>
+            <a:pPr marL="0" indent="0">
+              <a:buNone/>
+            </a:pPr>
+            <a:endParaRPr lang="en-US" dirty="0" smtClean="0"/>
+          </a:p>
+        </p:txBody>
+      </p:sp>
+    </p:spTree>
+    <p:extLst>
+      <p:ext uri="{BB962C8B-B14F-4D97-AF65-F5344CB8AC3E}">
+        <p14:creationId xmlns:p14="http://schemas.microsoft.com/office/powerpoint/2010/main" val="1930481217"/>
       </p:ext>
     </p:extLst>
   </p:cSld>
